--- a/Documentation/Presentation_20251119.pptx
+++ b/Documentation/Presentation_20251119.pptx
@@ -7,7 +7,9 @@
   <p:sldIdLst>
     <p:sldId id="256" r:id="rId2"/>
     <p:sldId id="257" r:id="rId3"/>
-    <p:sldId id="258" r:id="rId4"/>
+    <p:sldId id="259" r:id="rId4"/>
+    <p:sldId id="260" r:id="rId5"/>
+    <p:sldId id="258" r:id="rId6"/>
   </p:sldIdLst>
   <p:sldSz cx="12192000" cy="6858000"/>
   <p:notesSz cx="6858000" cy="9144000"/>
@@ -117,9 +119,108 @@
 <file path=ppt/revisionInfo.xml><?xml version="1.0" encoding="utf-8"?>
 <p1510:revInfo xmlns:a="http://schemas.openxmlformats.org/drawingml/2006/main" xmlns:r="http://schemas.openxmlformats.org/officeDocument/2006/relationships" xmlns:p1510="http://schemas.microsoft.com/office/powerpoint/2015/10/main">
   <p1510:revLst>
-    <p1510:client id="{DAFE1D24-2712-4447-9B70-7591DD4C9F1B}" v="3" dt="2025-11-19T11:14:57.190"/>
+    <p1510:client id="{CF61A19F-355E-4869-B514-877C6195BE21}" v="1" dt="2025-11-21T16:01:13.050"/>
   </p1510:revLst>
 </p1510:revInfo>
+</file>
+
+<file path=ppt/changesInfos/changesInfo1.xml><?xml version="1.0" encoding="utf-8"?>
+<pc:chgInfo xmlns:a="http://schemas.openxmlformats.org/drawingml/2006/main" xmlns:r="http://schemas.openxmlformats.org/officeDocument/2006/relationships" xmlns:ac="http://schemas.microsoft.com/office/drawing/2013/main/command" xmlns:pc="http://schemas.microsoft.com/office/powerpoint/2013/main/command">
+  <pc:docChgLst>
+    <pc:chgData name="Baptiste Granier" userId="53099b260dd1205a" providerId="LiveId" clId="{90B71470-3457-43C7-A3DC-C9ECD4F50305}"/>
+    <pc:docChg chg="custSel addSld modSld sldOrd">
+      <pc:chgData name="Baptiste Granier" userId="53099b260dd1205a" providerId="LiveId" clId="{90B71470-3457-43C7-A3DC-C9ECD4F50305}" dt="2025-11-21T16:04:12.747" v="184" actId="20577"/>
+      <pc:docMkLst>
+        <pc:docMk/>
+      </pc:docMkLst>
+      <pc:sldChg chg="modSp mod">
+        <pc:chgData name="Baptiste Granier" userId="53099b260dd1205a" providerId="LiveId" clId="{90B71470-3457-43C7-A3DC-C9ECD4F50305}" dt="2025-11-21T16:04:12.747" v="184" actId="20577"/>
+        <pc:sldMkLst>
+          <pc:docMk/>
+          <pc:sldMk cId="559233023" sldId="258"/>
+        </pc:sldMkLst>
+        <pc:spChg chg="mod">
+          <ac:chgData name="Baptiste Granier" userId="53099b260dd1205a" providerId="LiveId" clId="{90B71470-3457-43C7-A3DC-C9ECD4F50305}" dt="2025-11-21T16:04:12.747" v="184" actId="20577"/>
+          <ac:spMkLst>
+            <pc:docMk/>
+            <pc:sldMk cId="559233023" sldId="258"/>
+            <ac:spMk id="3" creationId="{2FB65C28-209D-7A47-B111-DC4A1180EF2F}"/>
+          </ac:spMkLst>
+        </pc:spChg>
+      </pc:sldChg>
+      <pc:sldChg chg="addSp delSp modSp add mod ord">
+        <pc:chgData name="Baptiste Granier" userId="53099b260dd1205a" providerId="LiveId" clId="{90B71470-3457-43C7-A3DC-C9ECD4F50305}" dt="2025-11-21T16:02:03.061" v="17" actId="14100"/>
+        <pc:sldMkLst>
+          <pc:docMk/>
+          <pc:sldMk cId="2467049624" sldId="259"/>
+        </pc:sldMkLst>
+        <pc:spChg chg="mod">
+          <ac:chgData name="Baptiste Granier" userId="53099b260dd1205a" providerId="LiveId" clId="{90B71470-3457-43C7-A3DC-C9ECD4F50305}" dt="2025-11-21T16:02:03.061" v="17" actId="14100"/>
+          <ac:spMkLst>
+            <pc:docMk/>
+            <pc:sldMk cId="2467049624" sldId="259"/>
+            <ac:spMk id="2" creationId="{01B488BC-D179-B556-9C6C-D318D03055AD}"/>
+          </ac:spMkLst>
+        </pc:spChg>
+        <pc:spChg chg="del">
+          <ac:chgData name="Baptiste Granier" userId="53099b260dd1205a" providerId="LiveId" clId="{90B71470-3457-43C7-A3DC-C9ECD4F50305}" dt="2025-11-21T16:01:43.525" v="10" actId="478"/>
+          <ac:spMkLst>
+            <pc:docMk/>
+            <pc:sldMk cId="2467049624" sldId="259"/>
+            <ac:spMk id="3" creationId="{6C3111EB-4B67-055C-1424-E2284A4B2378}"/>
+          </ac:spMkLst>
+        </pc:spChg>
+        <pc:spChg chg="add del mod">
+          <ac:chgData name="Baptiste Granier" userId="53099b260dd1205a" providerId="LiveId" clId="{90B71470-3457-43C7-A3DC-C9ECD4F50305}" dt="2025-11-21T16:01:44.889" v="11" actId="478"/>
+          <ac:spMkLst>
+            <pc:docMk/>
+            <pc:sldMk cId="2467049624" sldId="259"/>
+            <ac:spMk id="5" creationId="{1CBF4553-25F7-3CFD-245E-8AD0ED9F4F7A}"/>
+          </ac:spMkLst>
+        </pc:spChg>
+        <pc:picChg chg="add mod">
+          <ac:chgData name="Baptiste Granier" userId="53099b260dd1205a" providerId="LiveId" clId="{90B71470-3457-43C7-A3DC-C9ECD4F50305}" dt="2025-11-21T16:01:51.632" v="15" actId="1076"/>
+          <ac:picMkLst>
+            <pc:docMk/>
+            <pc:sldMk cId="2467049624" sldId="259"/>
+            <ac:picMk id="7" creationId="{F2FB66FB-BBD1-1FE2-EF75-910514FCC9A6}"/>
+          </ac:picMkLst>
+        </pc:picChg>
+      </pc:sldChg>
+      <pc:sldChg chg="addSp delSp modSp add mod">
+        <pc:chgData name="Baptiste Granier" userId="53099b260dd1205a" providerId="LiveId" clId="{90B71470-3457-43C7-A3DC-C9ECD4F50305}" dt="2025-11-21T16:02:46.052" v="24" actId="1076"/>
+        <pc:sldMkLst>
+          <pc:docMk/>
+          <pc:sldMk cId="1566341240" sldId="260"/>
+        </pc:sldMkLst>
+        <pc:spChg chg="mod">
+          <ac:chgData name="Baptiste Granier" userId="53099b260dd1205a" providerId="LiveId" clId="{90B71470-3457-43C7-A3DC-C9ECD4F50305}" dt="2025-11-21T16:02:46.052" v="24" actId="1076"/>
+          <ac:spMkLst>
+            <pc:docMk/>
+            <pc:sldMk cId="1566341240" sldId="260"/>
+            <ac:spMk id="2" creationId="{45EE72B7-6BD9-A155-B08B-5C12AF38BFA5}"/>
+          </ac:spMkLst>
+        </pc:spChg>
+        <pc:picChg chg="add mod">
+          <ac:chgData name="Baptiste Granier" userId="53099b260dd1205a" providerId="LiveId" clId="{90B71470-3457-43C7-A3DC-C9ECD4F50305}" dt="2025-11-21T16:02:42.506" v="23" actId="1076"/>
+          <ac:picMkLst>
+            <pc:docMk/>
+            <pc:sldMk cId="1566341240" sldId="260"/>
+            <ac:picMk id="4" creationId="{1E515195-E5F0-B280-1714-40B3940F25FC}"/>
+          </ac:picMkLst>
+        </pc:picChg>
+        <pc:picChg chg="del">
+          <ac:chgData name="Baptiste Granier" userId="53099b260dd1205a" providerId="LiveId" clId="{90B71470-3457-43C7-A3DC-C9ECD4F50305}" dt="2025-11-21T16:02:13.874" v="19" actId="478"/>
+          <ac:picMkLst>
+            <pc:docMk/>
+            <pc:sldMk cId="1566341240" sldId="260"/>
+            <ac:picMk id="7" creationId="{BDB0438E-E0DB-D319-A882-B6417BC3E6B6}"/>
+          </ac:picMkLst>
+        </pc:picChg>
+      </pc:sldChg>
+    </pc:docChg>
+  </pc:docChgLst>
+</pc:chgInfo>
 </file>
 
 <file path=ppt/slideLayouts/slideLayout1.xml><?xml version="1.0" encoding="utf-8"?>
@@ -353,7 +454,7 @@
           <a:p>
             <a:fld id="{9AB3A824-1A51-4B26-AD58-A6D8E14F6C04}" type="datetimeFigureOut">
               <a:rPr lang="en-US" dirty="0"/>
-              <a:t>11/19/2025</a:t>
+              <a:t>11/21/2025</a:t>
             </a:fld>
             <a:endParaRPr lang="en-US" dirty="0"/>
           </a:p>
@@ -687,7 +788,7 @@
           <a:p>
             <a:fld id="{D857E33E-8B18-4087-B112-809917729534}" type="datetimeFigureOut">
               <a:rPr lang="en-US" dirty="0"/>
-              <a:t>11/19/2025</a:t>
+              <a:t>11/21/2025</a:t>
             </a:fld>
             <a:endParaRPr lang="en-US" dirty="0"/>
           </a:p>
@@ -989,7 +1090,7 @@
           <a:p>
             <a:fld id="{D3FFE419-2371-464F-8239-3959401C3561}" type="datetimeFigureOut">
               <a:rPr lang="en-US" dirty="0"/>
-              <a:t>11/19/2025</a:t>
+              <a:t>11/21/2025</a:t>
             </a:fld>
             <a:endParaRPr lang="en-US" dirty="0"/>
           </a:p>
@@ -1236,7 +1337,7 @@
           <a:p>
             <a:fld id="{97D162C4-EDD9-4389-A98B-B87ECEA2A816}" type="datetimeFigureOut">
               <a:rPr lang="en-US" dirty="0"/>
-              <a:t>11/19/2025</a:t>
+              <a:t>11/21/2025</a:t>
             </a:fld>
             <a:endParaRPr lang="en-US" dirty="0"/>
           </a:p>
@@ -1643,7 +1744,7 @@
           <a:p>
             <a:fld id="{3E5059C3-6A89-4494-99FF-5A4D6FFD50EB}" type="datetimeFigureOut">
               <a:rPr lang="en-US" dirty="0"/>
-              <a:t>11/19/2025</a:t>
+              <a:t>11/21/2025</a:t>
             </a:fld>
             <a:endParaRPr lang="en-US" dirty="0"/>
           </a:p>
@@ -1957,7 +2058,7 @@
           <a:p>
             <a:fld id="{CA954B2F-12DE-47F5-8894-472B206D2E1E}" type="datetimeFigureOut">
               <a:rPr lang="en-US" dirty="0"/>
-              <a:t>11/19/2025</a:t>
+              <a:t>11/21/2025</a:t>
             </a:fld>
             <a:endParaRPr lang="en-US" dirty="0"/>
           </a:p>
@@ -2501,7 +2602,7 @@
           <a:p>
             <a:fld id="{3F30E46F-7819-4ACF-B48B-48222C2ACC88}" type="datetimeFigureOut">
               <a:rPr lang="en-US" dirty="0"/>
-              <a:t>11/19/2025</a:t>
+              <a:t>11/21/2025</a:t>
             </a:fld>
             <a:endParaRPr lang="en-US" dirty="0"/>
           </a:p>
@@ -2696,7 +2797,7 @@
           <a:p>
             <a:fld id="{1FAF3416-4057-4DAA-829D-4CA07428D088}" type="datetimeFigureOut">
               <a:rPr lang="en-US" dirty="0"/>
-              <a:t>11/19/2025</a:t>
+              <a:t>11/21/2025</a:t>
             </a:fld>
             <a:endParaRPr lang="en-US" dirty="0"/>
           </a:p>
@@ -2909,7 +3010,7 @@
           <a:p>
             <a:fld id="{921D9284-D300-4297-87F7-E791DCC15DB1}" type="datetimeFigureOut">
               <a:rPr lang="en-US" dirty="0"/>
-              <a:t>11/19/2025</a:t>
+              <a:t>11/21/2025</a:t>
             </a:fld>
             <a:endParaRPr lang="en-US" dirty="0"/>
           </a:p>
@@ -3278,7 +3379,7 @@
           <a:p>
             <a:fld id="{37D525BB-DA17-4BA0-B3C8-3AC3ABC827E6}" type="datetimeFigureOut">
               <a:rPr lang="en-US" dirty="0"/>
-              <a:t>11/19/2025</a:t>
+              <a:t>11/21/2025</a:t>
             </a:fld>
             <a:endParaRPr lang="en-US" dirty="0"/>
           </a:p>
@@ -3681,7 +3782,7 @@
           <a:p>
             <a:fld id="{B16C4C9A-3960-41CF-A4E9-2A8FB932454B}" type="datetimeFigureOut">
               <a:rPr lang="en-US" dirty="0"/>
-              <a:t>11/19/2025</a:t>
+              <a:t>11/21/2025</a:t>
             </a:fld>
             <a:endParaRPr lang="en-US" dirty="0"/>
           </a:p>
@@ -3999,7 +4100,7 @@
           <a:p>
             <a:fld id="{3CBC1C18-307B-4F68-A007-B5B542270E8D}" type="datetimeFigureOut">
               <a:rPr lang="en-US" dirty="0"/>
-              <a:t>11/19/2025</a:t>
+              <a:t>11/21/2025</a:t>
             </a:fld>
             <a:endParaRPr lang="en-US" dirty="0"/>
           </a:p>
@@ -5163,6 +5264,206 @@
   <p:cSld>
     <p:spTree>
       <p:nvGrpSpPr>
+        <p:cNvPr id="1" name="">
+          <a:extLst>
+            <a:ext uri="{FF2B5EF4-FFF2-40B4-BE49-F238E27FC236}">
+              <a16:creationId xmlns:a16="http://schemas.microsoft.com/office/drawing/2014/main" id="{B52A181A-F1E5-1FFE-EFFA-36B0A450E16F}"/>
+            </a:ext>
+          </a:extLst>
+        </p:cNvPr>
+        <p:cNvGrpSpPr/>
+        <p:nvPr/>
+      </p:nvGrpSpPr>
+      <p:grpSpPr>
+        <a:xfrm>
+          <a:off x="0" y="0"/>
+          <a:ext cx="0" cy="0"/>
+          <a:chOff x="0" y="0"/>
+          <a:chExt cx="0" cy="0"/>
+        </a:xfrm>
+      </p:grpSpPr>
+      <p:sp>
+        <p:nvSpPr>
+          <p:cNvPr id="2" name="Titre 1">
+            <a:extLst>
+              <a:ext uri="{FF2B5EF4-FFF2-40B4-BE49-F238E27FC236}">
+                <a16:creationId xmlns:a16="http://schemas.microsoft.com/office/drawing/2014/main" id="{01B488BC-D179-B556-9C6C-D318D03055AD}"/>
+              </a:ext>
+            </a:extLst>
+          </p:cNvPr>
+          <p:cNvSpPr>
+            <a:spLocks noGrp="1"/>
+          </p:cNvSpPr>
+          <p:nvPr>
+            <p:ph type="title"/>
+          </p:nvPr>
+        </p:nvSpPr>
+        <p:spPr>
+          <a:xfrm>
+            <a:off x="2611808" y="382556"/>
+            <a:ext cx="7958331" cy="1502730"/>
+          </a:xfrm>
+        </p:spPr>
+        <p:txBody>
+          <a:bodyPr/>
+          <a:lstStyle/>
+          <a:p>
+            <a:pPr algn="ctr"/>
+            <a:r>
+              <a:rPr lang="fr-FR" dirty="0"/>
+              <a:t>Figures</a:t>
+            </a:r>
+          </a:p>
+        </p:txBody>
+      </p:sp>
+      <p:pic>
+        <p:nvPicPr>
+          <p:cNvPr id="7" name="Image 6">
+            <a:extLst>
+              <a:ext uri="{FF2B5EF4-FFF2-40B4-BE49-F238E27FC236}">
+                <a16:creationId xmlns:a16="http://schemas.microsoft.com/office/drawing/2014/main" id="{F2FB66FB-BBD1-1FE2-EF75-910514FCC9A6}"/>
+              </a:ext>
+            </a:extLst>
+          </p:cNvPr>
+          <p:cNvPicPr>
+            <a:picLocks noChangeAspect="1"/>
+          </p:cNvPicPr>
+          <p:nvPr/>
+        </p:nvPicPr>
+        <p:blipFill>
+          <a:blip r:embed="rId2"/>
+          <a:stretch>
+            <a:fillRect/>
+          </a:stretch>
+        </p:blipFill>
+        <p:spPr>
+          <a:xfrm>
+            <a:off x="2983798" y="1152185"/>
+            <a:ext cx="6224403" cy="5219485"/>
+          </a:xfrm>
+          <a:prstGeom prst="rect">
+            <a:avLst/>
+          </a:prstGeom>
+        </p:spPr>
+      </p:pic>
+    </p:spTree>
+    <p:extLst>
+      <p:ext uri="{BB962C8B-B14F-4D97-AF65-F5344CB8AC3E}">
+        <p14:creationId xmlns:p14="http://schemas.microsoft.com/office/powerpoint/2010/main" val="2467049624"/>
+      </p:ext>
+    </p:extLst>
+  </p:cSld>
+  <p:clrMapOvr>
+    <a:masterClrMapping/>
+  </p:clrMapOvr>
+</p:sld>
+</file>
+
+<file path=ppt/slides/slide4.xml><?xml version="1.0" encoding="utf-8"?>
+<p:sld xmlns:a="http://schemas.openxmlformats.org/drawingml/2006/main" xmlns:r="http://schemas.openxmlformats.org/officeDocument/2006/relationships" xmlns:p="http://schemas.openxmlformats.org/presentationml/2006/main">
+  <p:cSld>
+    <p:spTree>
+      <p:nvGrpSpPr>
+        <p:cNvPr id="1" name="">
+          <a:extLst>
+            <a:ext uri="{FF2B5EF4-FFF2-40B4-BE49-F238E27FC236}">
+              <a16:creationId xmlns:a16="http://schemas.microsoft.com/office/drawing/2014/main" id="{28336784-6FF4-B602-C8C1-94881DAED63B}"/>
+            </a:ext>
+          </a:extLst>
+        </p:cNvPr>
+        <p:cNvGrpSpPr/>
+        <p:nvPr/>
+      </p:nvGrpSpPr>
+      <p:grpSpPr>
+        <a:xfrm>
+          <a:off x="0" y="0"/>
+          <a:ext cx="0" cy="0"/>
+          <a:chOff x="0" y="0"/>
+          <a:chExt cx="0" cy="0"/>
+        </a:xfrm>
+      </p:grpSpPr>
+      <p:sp>
+        <p:nvSpPr>
+          <p:cNvPr id="2" name="Titre 1">
+            <a:extLst>
+              <a:ext uri="{FF2B5EF4-FFF2-40B4-BE49-F238E27FC236}">
+                <a16:creationId xmlns:a16="http://schemas.microsoft.com/office/drawing/2014/main" id="{45EE72B7-6BD9-A155-B08B-5C12AF38BFA5}"/>
+              </a:ext>
+            </a:extLst>
+          </p:cNvPr>
+          <p:cNvSpPr>
+            <a:spLocks noGrp="1"/>
+          </p:cNvSpPr>
+          <p:nvPr>
+            <p:ph type="title"/>
+          </p:nvPr>
+        </p:nvSpPr>
+        <p:spPr>
+          <a:xfrm>
+            <a:off x="2116834" y="382556"/>
+            <a:ext cx="7958331" cy="1502730"/>
+          </a:xfrm>
+        </p:spPr>
+        <p:txBody>
+          <a:bodyPr/>
+          <a:lstStyle/>
+          <a:p>
+            <a:pPr algn="ctr"/>
+            <a:r>
+              <a:rPr lang="fr-FR" dirty="0"/>
+              <a:t>Figures</a:t>
+            </a:r>
+          </a:p>
+        </p:txBody>
+      </p:sp>
+      <p:pic>
+        <p:nvPicPr>
+          <p:cNvPr id="4" name="Image 3">
+            <a:extLst>
+              <a:ext uri="{FF2B5EF4-FFF2-40B4-BE49-F238E27FC236}">
+                <a16:creationId xmlns:a16="http://schemas.microsoft.com/office/drawing/2014/main" id="{1E515195-E5F0-B280-1714-40B3940F25FC}"/>
+              </a:ext>
+            </a:extLst>
+          </p:cNvPr>
+          <p:cNvPicPr>
+            <a:picLocks noChangeAspect="1"/>
+          </p:cNvPicPr>
+          <p:nvPr/>
+        </p:nvPicPr>
+        <p:blipFill>
+          <a:blip r:embed="rId2"/>
+          <a:stretch>
+            <a:fillRect/>
+          </a:stretch>
+        </p:blipFill>
+        <p:spPr>
+          <a:xfrm>
+            <a:off x="2699582" y="1133921"/>
+            <a:ext cx="6792836" cy="5482742"/>
+          </a:xfrm>
+          <a:prstGeom prst="rect">
+            <a:avLst/>
+          </a:prstGeom>
+        </p:spPr>
+      </p:pic>
+    </p:spTree>
+    <p:extLst>
+      <p:ext uri="{BB962C8B-B14F-4D97-AF65-F5344CB8AC3E}">
+        <p14:creationId xmlns:p14="http://schemas.microsoft.com/office/powerpoint/2010/main" val="1566341240"/>
+      </p:ext>
+    </p:extLst>
+  </p:cSld>
+  <p:clrMapOvr>
+    <a:masterClrMapping/>
+  </p:clrMapOvr>
+</p:sld>
+</file>
+
+<file path=ppt/slides/slide5.xml><?xml version="1.0" encoding="utf-8"?>
+<p:sld xmlns:a="http://schemas.openxmlformats.org/drawingml/2006/main" xmlns:r="http://schemas.openxmlformats.org/officeDocument/2006/relationships" xmlns:p="http://schemas.openxmlformats.org/presentationml/2006/main">
+  <p:cSld>
+    <p:spTree>
+      <p:nvGrpSpPr>
         <p:cNvPr id="1" name=""/>
         <p:cNvGrpSpPr/>
         <p:nvPr/>
@@ -5231,9 +5532,63 @@
               <a:buChar char="o"/>
             </a:pPr>
             <a:r>
-              <a:rPr lang="fr-FR"/>
-              <a:t>DeSeq2 : R</a:t>
-            </a:r>
+              <a:rPr lang="fr-FR" dirty="0"/>
+              <a:t>DeSeq2 : Qualité des figures proposées ?</a:t>
+            </a:r>
+          </a:p>
+          <a:p>
+            <a:pPr>
+              <a:buFont typeface="Courier New" panose="02070309020205020404" pitchFamily="49" charset="0"/>
+              <a:buChar char="o"/>
+            </a:pPr>
+            <a:r>
+              <a:rPr lang="fr-FR" dirty="0"/>
+              <a:t>Format du Git / Evaluation (</a:t>
+            </a:r>
+            <a:r>
+              <a:rPr lang="fr-FR" dirty="0" err="1"/>
+              <a:t>cf</a:t>
+            </a:r>
+            <a:r>
+              <a:rPr lang="fr-FR" dirty="0"/>
+              <a:t> </a:t>
+            </a:r>
+            <a:r>
+              <a:rPr lang="fr-FR" dirty="0" err="1"/>
+              <a:t>dir</a:t>
+            </a:r>
+            <a:r>
+              <a:rPr lang="fr-FR" dirty="0"/>
+              <a:t>. Data ?)</a:t>
+            </a:r>
+          </a:p>
+          <a:p>
+            <a:pPr>
+              <a:buFont typeface="Courier New" panose="02070309020205020404" pitchFamily="49" charset="0"/>
+              <a:buChar char="o"/>
+            </a:pPr>
+            <a:r>
+              <a:rPr lang="fr-FR" dirty="0"/>
+              <a:t>.</a:t>
+            </a:r>
+            <a:r>
+              <a:rPr lang="fr-FR" dirty="0" err="1"/>
+              <a:t>tsv</a:t>
+            </a:r>
+            <a:r>
+              <a:rPr lang="fr-FR" dirty="0"/>
+              <a:t> ? Comment télécharger le fichier sur </a:t>
+            </a:r>
+            <a:r>
+              <a:rPr lang="fr-FR"/>
+              <a:t>le wiki</a:t>
+            </a:r>
+          </a:p>
+          <a:p>
+            <a:pPr>
+              <a:buFont typeface="Courier New" panose="02070309020205020404" pitchFamily="49" charset="0"/>
+              <a:buChar char="o"/>
+            </a:pPr>
             <a:endParaRPr lang="fr-FR" dirty="0"/>
           </a:p>
         </p:txBody>
